--- a/global_warming.pptx
+++ b/global_warming.pptx
@@ -3381,7 +3381,7 @@
           <a:p>
             <a:fld id="{9184DA70-C731-4C70-880D-CCD4705E623C}" type="datetime1">
               <a:rPr lang="en-US" smtClean="0"/>
-              <a:t>6/23/2021</a:t>
+              <a:t>6/24/2021</a:t>
             </a:fld>
             <a:endParaRPr lang="en-US" dirty="0"/>
           </a:p>
@@ -3643,7 +3643,7 @@
           <a:p>
             <a:fld id="{B612A279-0833-481D-8C56-F67FD0AC6C50}" type="datetime1">
               <a:rPr lang="en-US" smtClean="0"/>
-              <a:t>6/23/2021</a:t>
+              <a:t>6/24/2021</a:t>
             </a:fld>
             <a:endParaRPr lang="en-US" dirty="0"/>
           </a:p>
@@ -3878,7 +3878,7 @@
           <a:p>
             <a:fld id="{6587DA83-5663-4C9C-B9AA-0B40A3DAFF81}" type="datetime1">
               <a:rPr lang="en-US" smtClean="0"/>
-              <a:t>6/23/2021</a:t>
+              <a:t>6/24/2021</a:t>
             </a:fld>
             <a:endParaRPr lang="en-US" dirty="0"/>
           </a:p>
@@ -4118,7 +4118,7 @@
           <a:p>
             <a:fld id="{4BE1D723-8F53-4F53-90B0-1982A396982E}" type="datetime1">
               <a:rPr lang="en-US" smtClean="0"/>
-              <a:t>6/23/2021</a:t>
+              <a:t>6/24/2021</a:t>
             </a:fld>
             <a:endParaRPr lang="en-US" dirty="0"/>
           </a:p>
@@ -4425,7 +4425,7 @@
           <a:p>
             <a:fld id="{97669AF7-7BEB-44E4-9852-375E34362B5B}" type="datetime1">
               <a:rPr lang="en-US" smtClean="0"/>
-              <a:t>6/23/2021</a:t>
+              <a:t>6/24/2021</a:t>
             </a:fld>
             <a:endParaRPr lang="en-US" dirty="0"/>
           </a:p>
@@ -4727,7 +4727,7 @@
           <a:p>
             <a:fld id="{BAAAC38D-0552-4C82-B593-E6124DFADBE2}" type="datetime1">
               <a:rPr lang="en-US" smtClean="0"/>
-              <a:t>6/23/2021</a:t>
+              <a:t>6/24/2021</a:t>
             </a:fld>
             <a:endParaRPr lang="en-US" dirty="0"/>
           </a:p>
@@ -5149,7 +5149,7 @@
           <a:p>
             <a:fld id="{D9DF0F1C-5577-4ACB-BB62-DF8F3C494C7E}" type="datetime1">
               <a:rPr lang="en-US" smtClean="0"/>
-              <a:t>6/23/2021</a:t>
+              <a:t>6/24/2021</a:t>
             </a:fld>
             <a:endParaRPr lang="en-US" dirty="0"/>
           </a:p>
@@ -5311,7 +5311,7 @@
           <a:p>
             <a:fld id="{1775B394-D9F9-4F0C-B15D-605F45CB9E9F}" type="datetime1">
               <a:rPr lang="en-US" smtClean="0"/>
-              <a:t>6/23/2021</a:t>
+              <a:t>6/24/2021</a:t>
             </a:fld>
             <a:endParaRPr lang="en-US" dirty="0"/>
           </a:p>
@@ -5406,7 +5406,7 @@
           <a:p>
             <a:fld id="{39667345-2558-425A-8533-9BFDBCE15005}" type="datetime1">
               <a:rPr lang="en-US" smtClean="0"/>
-              <a:t>6/23/2021</a:t>
+              <a:t>6/24/2021</a:t>
             </a:fld>
             <a:endParaRPr lang="en-US" dirty="0"/>
           </a:p>
@@ -5784,7 +5784,7 @@
           <a:p>
             <a:fld id="{92BEA474-078D-4E9B-9B14-09A87B19DC46}" type="datetime1">
               <a:rPr lang="en-US" smtClean="0"/>
-              <a:t>6/23/2021</a:t>
+              <a:t>6/24/2021</a:t>
             </a:fld>
             <a:endParaRPr lang="en-US" dirty="0"/>
           </a:p>
@@ -6074,7 +6074,7 @@
           <a:p>
             <a:fld id="{4907D986-8816-4272-A432-0437A28A9828}" type="datetime1">
               <a:rPr lang="en-US" smtClean="0"/>
-              <a:t>6/23/2021</a:t>
+              <a:t>6/24/2021</a:t>
             </a:fld>
             <a:endParaRPr lang="en-US" dirty="0"/>
           </a:p>
@@ -6286,7 +6286,7 @@
           <a:p>
             <a:fld id="{62D6E202-B606-4609-B914-27C9371A1F6D}" type="datetime1">
               <a:rPr lang="en-US" smtClean="0"/>
-              <a:t>6/23/2021</a:t>
+              <a:t>6/24/2021</a:t>
             </a:fld>
             <a:endParaRPr lang="en-US" dirty="0"/>
           </a:p>
@@ -7217,6 +7217,38 @@
           </a:prstGeom>
         </p:spPr>
       </p:pic>
+      <p:pic>
+        <p:nvPicPr>
+          <p:cNvPr id="6" name="Picture 5">
+            <a:hlinkClick r:id="rId3"/>
+          </p:cNvPr>
+          <p:cNvPicPr>
+            <a:picLocks noChangeAspect="1"/>
+          </p:cNvPicPr>
+          <p:nvPr/>
+        </p:nvPicPr>
+        <p:blipFill>
+          <a:blip r:embed="rId4" cstate="hqprint">
+            <a:extLst>
+              <a:ext uri="{28A0092B-C50C-407E-A947-70E740481C1C}">
+                <a14:useLocalDpi xmlns:a14="http://schemas.microsoft.com/office/drawing/2010/main" val="0"/>
+              </a:ext>
+            </a:extLst>
+          </a:blip>
+          <a:stretch>
+            <a:fillRect/>
+          </a:stretch>
+        </p:blipFill>
+        <p:spPr>
+          <a:xfrm>
+            <a:off x="8875660" y="1585667"/>
+            <a:ext cx="2472267" cy="1390650"/>
+          </a:xfrm>
+          <a:prstGeom prst="rect">
+            <a:avLst/>
+          </a:prstGeom>
+        </p:spPr>
+      </p:pic>
     </p:spTree>
     <p:extLst>
       <p:ext uri="{BB962C8B-B14F-4D97-AF65-F5344CB8AC3E}">
@@ -8667,11 +8699,7 @@
             </a:r>
             <a:r>
               <a:rPr lang="en-US" dirty="0" smtClean="0"/>
-              <a:t>CO2 </a:t>
-            </a:r>
-            <a:r>
-              <a:rPr lang="en-US" dirty="0" smtClean="0"/>
-              <a:t>fossil, </a:t>
+              <a:t>CO2 fossil, </a:t>
             </a:r>
             <a:r>
               <a:rPr lang="en-US" dirty="0"/>
@@ -8696,11 +8724,7 @@
             </a:r>
             <a:r>
               <a:rPr lang="en-US" dirty="0" smtClean="0"/>
-              <a:t>74</a:t>
-            </a:r>
-            <a:r>
-              <a:rPr lang="en-US" dirty="0" smtClean="0"/>
-              <a:t>%.</a:t>
+              <a:t>74%.</a:t>
             </a:r>
             <a:endParaRPr lang="en-US" dirty="0"/>
           </a:p>

--- a/global_warming.pptx
+++ b/global_warming.pptx
@@ -3381,7 +3381,7 @@
           <a:p>
             <a:fld id="{9184DA70-C731-4C70-880D-CCD4705E623C}" type="datetime1">
               <a:rPr lang="en-US" smtClean="0"/>
-              <a:t>6/24/2021</a:t>
+              <a:t>6/28/2021</a:t>
             </a:fld>
             <a:endParaRPr lang="en-US" dirty="0"/>
           </a:p>
@@ -3643,7 +3643,7 @@
           <a:p>
             <a:fld id="{B612A279-0833-481D-8C56-F67FD0AC6C50}" type="datetime1">
               <a:rPr lang="en-US" smtClean="0"/>
-              <a:t>6/24/2021</a:t>
+              <a:t>6/28/2021</a:t>
             </a:fld>
             <a:endParaRPr lang="en-US" dirty="0"/>
           </a:p>
@@ -3878,7 +3878,7 @@
           <a:p>
             <a:fld id="{6587DA83-5663-4C9C-B9AA-0B40A3DAFF81}" type="datetime1">
               <a:rPr lang="en-US" smtClean="0"/>
-              <a:t>6/24/2021</a:t>
+              <a:t>6/28/2021</a:t>
             </a:fld>
             <a:endParaRPr lang="en-US" dirty="0"/>
           </a:p>
@@ -4118,7 +4118,7 @@
           <a:p>
             <a:fld id="{4BE1D723-8F53-4F53-90B0-1982A396982E}" type="datetime1">
               <a:rPr lang="en-US" smtClean="0"/>
-              <a:t>6/24/2021</a:t>
+              <a:t>6/28/2021</a:t>
             </a:fld>
             <a:endParaRPr lang="en-US" dirty="0"/>
           </a:p>
@@ -4425,7 +4425,7 @@
           <a:p>
             <a:fld id="{97669AF7-7BEB-44E4-9852-375E34362B5B}" type="datetime1">
               <a:rPr lang="en-US" smtClean="0"/>
-              <a:t>6/24/2021</a:t>
+              <a:t>6/28/2021</a:t>
             </a:fld>
             <a:endParaRPr lang="en-US" dirty="0"/>
           </a:p>
@@ -4727,7 +4727,7 @@
           <a:p>
             <a:fld id="{BAAAC38D-0552-4C82-B593-E6124DFADBE2}" type="datetime1">
               <a:rPr lang="en-US" smtClean="0"/>
-              <a:t>6/24/2021</a:t>
+              <a:t>6/28/2021</a:t>
             </a:fld>
             <a:endParaRPr lang="en-US" dirty="0"/>
           </a:p>
@@ -5149,7 +5149,7 @@
           <a:p>
             <a:fld id="{D9DF0F1C-5577-4ACB-BB62-DF8F3C494C7E}" type="datetime1">
               <a:rPr lang="en-US" smtClean="0"/>
-              <a:t>6/24/2021</a:t>
+              <a:t>6/28/2021</a:t>
             </a:fld>
             <a:endParaRPr lang="en-US" dirty="0"/>
           </a:p>
@@ -5311,7 +5311,7 @@
           <a:p>
             <a:fld id="{1775B394-D9F9-4F0C-B15D-605F45CB9E9F}" type="datetime1">
               <a:rPr lang="en-US" smtClean="0"/>
-              <a:t>6/24/2021</a:t>
+              <a:t>6/28/2021</a:t>
             </a:fld>
             <a:endParaRPr lang="en-US" dirty="0"/>
           </a:p>
@@ -5406,7 +5406,7 @@
           <a:p>
             <a:fld id="{39667345-2558-425A-8533-9BFDBCE15005}" type="datetime1">
               <a:rPr lang="en-US" smtClean="0"/>
-              <a:t>6/24/2021</a:t>
+              <a:t>6/28/2021</a:t>
             </a:fld>
             <a:endParaRPr lang="en-US" dirty="0"/>
           </a:p>
@@ -5784,7 +5784,7 @@
           <a:p>
             <a:fld id="{92BEA474-078D-4E9B-9B14-09A87B19DC46}" type="datetime1">
               <a:rPr lang="en-US" smtClean="0"/>
-              <a:t>6/24/2021</a:t>
+              <a:t>6/28/2021</a:t>
             </a:fld>
             <a:endParaRPr lang="en-US" dirty="0"/>
           </a:p>
@@ -6074,7 +6074,7 @@
           <a:p>
             <a:fld id="{4907D986-8816-4272-A432-0437A28A9828}" type="datetime1">
               <a:rPr lang="en-US" smtClean="0"/>
-              <a:t>6/24/2021</a:t>
+              <a:t>6/28/2021</a:t>
             </a:fld>
             <a:endParaRPr lang="en-US" dirty="0"/>
           </a:p>
@@ -6286,7 +6286,7 @@
           <a:p>
             <a:fld id="{62D6E202-B606-4609-B914-27C9371A1F6D}" type="datetime1">
               <a:rPr lang="en-US" smtClean="0"/>
-              <a:t>6/24/2021</a:t>
+              <a:t>6/28/2021</a:t>
             </a:fld>
             <a:endParaRPr lang="en-US" dirty="0"/>
           </a:p>
@@ -9247,52 +9247,31 @@
       </p:sp>
       <p:pic>
         <p:nvPicPr>
-          <p:cNvPr id="11" name="תמונה 10">
-            <a:extLst>
-              <a:ext uri="{FF2B5EF4-FFF2-40B4-BE49-F238E27FC236}">
-                <a16:creationId xmlns:a16="http://schemas.microsoft.com/office/drawing/2014/main" id="{63D5C717-8CC1-414B-9184-89EC6C091577}"/>
-              </a:ext>
-            </a:extLst>
-          </p:cNvPr>
+          <p:cNvPr id="6" name="Picture 5"/>
           <p:cNvPicPr>
             <a:picLocks noChangeAspect="1"/>
           </p:cNvPicPr>
           <p:nvPr/>
         </p:nvPicPr>
-        <p:blipFill rotWithShape="1">
+        <p:blipFill>
           <a:blip r:embed="rId2"/>
-          <a:srcRect l="19653" t="4539" b="9730"/>
-          <a:stretch/>
+          <a:stretch>
+            <a:fillRect/>
+          </a:stretch>
         </p:blipFill>
         <p:spPr>
           <a:xfrm>
-            <a:off x="6845185" y="2206843"/>
-            <a:ext cx="4648823" cy="3416717"/>
+            <a:off x="1707724" y="4031673"/>
+            <a:ext cx="2311453" cy="2157536"/>
           </a:xfrm>
-          <a:prstGeom prst="round2DiagRect">
-            <a:avLst>
-              <a:gd name="adj1" fmla="val 16667"/>
-              <a:gd name="adj2" fmla="val 0"/>
-            </a:avLst>
+          <a:prstGeom prst="rect">
+            <a:avLst/>
           </a:prstGeom>
-          <a:ln w="88900" cap="sq">
-            <a:solidFill>
-              <a:srgbClr val="FFFFFF"/>
-            </a:solidFill>
-            <a:miter lim="800000"/>
-          </a:ln>
-          <a:effectLst>
-            <a:outerShdw blurRad="254000" algn="tl" rotWithShape="0">
-              <a:srgbClr val="000000">
-                <a:alpha val="43000"/>
-              </a:srgbClr>
-            </a:outerShdw>
-          </a:effectLst>
         </p:spPr>
       </p:pic>
       <p:pic>
         <p:nvPicPr>
-          <p:cNvPr id="6" name="Picture 5"/>
+          <p:cNvPr id="5" name="Picture 4"/>
           <p:cNvPicPr>
             <a:picLocks noChangeAspect="1"/>
           </p:cNvPicPr>
@@ -9306,8 +9285,8 @@
         </p:blipFill>
         <p:spPr>
           <a:xfrm>
-            <a:off x="1707724" y="4031673"/>
-            <a:ext cx="2311453" cy="2157536"/>
+            <a:off x="8206622" y="1954917"/>
+            <a:ext cx="2884872" cy="4406129"/>
           </a:xfrm>
           <a:prstGeom prst="rect">
             <a:avLst/>
